--- a/1. Documents/AngularSecurity.pptx
+++ b/1. Documents/AngularSecurity.pptx
@@ -211,7 +211,7 @@
           <a:p>
             <a:fld id="{2FF3A749-B69A-43C0-97E5-57D410257150}" type="datetimeFigureOut">
               <a:rPr lang="en-US" smtClean="0"/>
-              <a:t>4/5/2019</a:t>
+              <a:t>4/8/2019</a:t>
             </a:fld>
             <a:endParaRPr lang="en-US"/>
           </a:p>
@@ -381,7 +381,7 @@
             <a:fld id="{68590B17-2423-4E19-8A7C-17586BF463C2}" type="datetimeFigureOut">
               <a:rPr lang="en-US" smtClean="0"/>
               <a:pPr/>
-              <a:t>4/5/2019</a:t>
+              <a:t>4/8/2019</a:t>
             </a:fld>
             <a:endParaRPr lang="en-US"/>
           </a:p>
@@ -2049,7 +2049,7 @@
             <a:fld id="{53074F12-AA26-4AC8-9962-C36BB8F32554}" type="datetimeFigureOut">
               <a:rPr lang="en-US" smtClean="0"/>
               <a:pPr/>
-              <a:t>4/5/2019</a:t>
+              <a:t>4/8/2019</a:t>
             </a:fld>
             <a:endParaRPr lang="en-US"/>
           </a:p>
@@ -2327,7 +2327,7 @@
             <a:fld id="{53074F12-AA26-4AC8-9962-C36BB8F32554}" type="datetimeFigureOut">
               <a:rPr lang="en-US" smtClean="0"/>
               <a:pPr/>
-              <a:t>4/5/2019</a:t>
+              <a:t>4/8/2019</a:t>
             </a:fld>
             <a:endParaRPr lang="en-US"/>
           </a:p>
@@ -2547,7 +2547,7 @@
             <a:fld id="{53074F12-AA26-4AC8-9962-C36BB8F32554}" type="datetimeFigureOut">
               <a:rPr lang="en-US" smtClean="0"/>
               <a:pPr/>
-              <a:t>4/5/2019</a:t>
+              <a:t>4/8/2019</a:t>
             </a:fld>
             <a:endParaRPr lang="en-US"/>
           </a:p>
@@ -2777,7 +2777,7 @@
             <a:fld id="{53074F12-AA26-4AC8-9962-C36BB8F32554}" type="datetimeFigureOut">
               <a:rPr lang="en-US" smtClean="0"/>
               <a:pPr/>
-              <a:t>4/5/2019</a:t>
+              <a:t>4/8/2019</a:t>
             </a:fld>
             <a:endParaRPr lang="en-US"/>
           </a:p>
@@ -3083,7 +3083,7 @@
             <a:fld id="{53074F12-AA26-4AC8-9962-C36BB8F32554}" type="datetimeFigureOut">
               <a:rPr lang="en-US" smtClean="0"/>
               <a:pPr/>
-              <a:t>4/5/2019</a:t>
+              <a:t>4/8/2019</a:t>
             </a:fld>
             <a:endParaRPr lang="en-US"/>
           </a:p>
@@ -3354,7 +3354,7 @@
             <a:fld id="{53074F12-AA26-4AC8-9962-C36BB8F32554}" type="datetimeFigureOut">
               <a:rPr lang="en-US" smtClean="0"/>
               <a:pPr/>
-              <a:t>4/5/2019</a:t>
+              <a:t>4/8/2019</a:t>
             </a:fld>
             <a:endParaRPr lang="en-US"/>
           </a:p>
@@ -3622,7 +3622,7 @@
             <a:fld id="{53074F12-AA26-4AC8-9962-C36BB8F32554}" type="datetimeFigureOut">
               <a:rPr lang="en-US" smtClean="0"/>
               <a:pPr/>
-              <a:t>4/5/2019</a:t>
+              <a:t>4/8/2019</a:t>
             </a:fld>
             <a:endParaRPr lang="en-US"/>
           </a:p>
@@ -3919,7 +3919,7 @@
             <a:fld id="{53074F12-AA26-4AC8-9962-C36BB8F32554}" type="datetimeFigureOut">
               <a:rPr lang="en-US" smtClean="0"/>
               <a:pPr/>
-              <a:t>4/5/2019</a:t>
+              <a:t>4/8/2019</a:t>
             </a:fld>
             <a:endParaRPr lang="en-US"/>
           </a:p>
@@ -4448,7 +4448,7 @@
             <a:fld id="{53074F12-AA26-4AC8-9962-C36BB8F32554}" type="datetimeFigureOut">
               <a:rPr lang="en-US" smtClean="0"/>
               <a:pPr/>
-              <a:t>4/5/2019</a:t>
+              <a:t>4/8/2019</a:t>
             </a:fld>
             <a:endParaRPr lang="en-US"/>
           </a:p>
@@ -4591,7 +4591,7 @@
             <a:fld id="{53074F12-AA26-4AC8-9962-C36BB8F32554}" type="datetimeFigureOut">
               <a:rPr lang="en-US" smtClean="0"/>
               <a:pPr/>
-              <a:t>4/5/2019</a:t>
+              <a:t>4/8/2019</a:t>
             </a:fld>
             <a:endParaRPr lang="en-US"/>
           </a:p>
@@ -4713,7 +4713,7 @@
             <a:fld id="{53074F12-AA26-4AC8-9962-C36BB8F32554}" type="datetimeFigureOut">
               <a:rPr lang="en-US" smtClean="0"/>
               <a:pPr/>
-              <a:t>4/5/2019</a:t>
+              <a:t>4/8/2019</a:t>
             </a:fld>
             <a:endParaRPr lang="en-US"/>
           </a:p>
@@ -5029,7 +5029,7 @@
             <a:fld id="{53074F12-AA26-4AC8-9962-C36BB8F32554}" type="datetimeFigureOut">
               <a:rPr lang="en-US" smtClean="0"/>
               <a:pPr/>
-              <a:t>4/5/2019</a:t>
+              <a:t>4/8/2019</a:t>
             </a:fld>
             <a:endParaRPr lang="en-US"/>
           </a:p>
@@ -5264,7 +5264,7 @@
             <a:fld id="{53074F12-AA26-4AC8-9962-C36BB8F32554}" type="datetimeFigureOut">
               <a:rPr lang="en-US" smtClean="0"/>
               <a:pPr/>
-              <a:t>4/5/2019</a:t>
+              <a:t>4/8/2019</a:t>
             </a:fld>
             <a:endParaRPr lang="en-US"/>
           </a:p>
@@ -9597,21 +9597,26 @@
               <a:buChar char="-"/>
             </a:pPr>
             <a:r>
-              <a:rPr lang="en-US" sz="2000" b="1" dirty="0">
+              <a:rPr lang="en-US" sz="2000" dirty="0">
                 <a:solidFill>
                   <a:schemeClr val="bg1"/>
                 </a:solidFill>
               </a:rPr>
-              <a:t>Cross-domain / CORS: </a:t>
-            </a:r>
-            <a:r>
-              <a:rPr lang="en-US" sz="2000" dirty="0">
+              <a:t>You can authorize only the requests you wish to authorize</a:t>
+            </a:r>
+            <a:r>
+              <a:rPr lang="en-US" sz="2000" dirty="0" smtClean="0">
                 <a:solidFill>
                   <a:schemeClr val="bg1"/>
                 </a:solidFill>
               </a:rPr>
-              <a:t>its work any server on any domain</a:t>
-            </a:r>
+              <a:t>.</a:t>
+            </a:r>
+            <a:endParaRPr lang="en-US" sz="2000" b="1" dirty="0" smtClean="0">
+              <a:solidFill>
+                <a:schemeClr val="bg1"/>
+              </a:solidFill>
+            </a:endParaRPr>
           </a:p>
           <a:p>
             <a:pPr>
@@ -9619,12 +9624,20 @@
               <a:buChar char="-"/>
             </a:pPr>
             <a:r>
+              <a:rPr lang="en-US" sz="2000" b="1" dirty="0" smtClean="0">
+                <a:solidFill>
+                  <a:schemeClr val="bg1"/>
+                </a:solidFill>
+              </a:rPr>
+              <a:t>Cross-domain </a:t>
+            </a:r>
+            <a:r>
               <a:rPr lang="en-US" sz="2000" b="1" dirty="0">
                 <a:solidFill>
                   <a:schemeClr val="bg1"/>
                 </a:solidFill>
               </a:rPr>
-              <a:t>Stateless : </a:t>
+              <a:t>/ CORS: </a:t>
             </a:r>
             <a:r>
               <a:rPr lang="en-US" sz="2000" dirty="0">
@@ -9632,7 +9645,7 @@
                   <a:schemeClr val="bg1"/>
                 </a:solidFill>
               </a:rPr>
-              <a:t>The rest of the state lives in cookies or local storage on the client side.</a:t>
+              <a:t>its work any server on any domain</a:t>
             </a:r>
           </a:p>
           <a:p>
@@ -9641,12 +9654,20 @@
               <a:buChar char="-"/>
             </a:pPr>
             <a:r>
+              <a:rPr lang="en-US" sz="2000" b="1" dirty="0" smtClean="0">
+                <a:solidFill>
+                  <a:schemeClr val="bg1"/>
+                </a:solidFill>
+              </a:rPr>
+              <a:t>Decoupling</a:t>
+            </a:r>
+            <a:r>
               <a:rPr lang="en-US" sz="2000" b="1" dirty="0">
                 <a:solidFill>
                   <a:schemeClr val="bg1"/>
                 </a:solidFill>
               </a:rPr>
-              <a:t>Decoupling:</a:t>
+              <a:t>:</a:t>
             </a:r>
             <a:r>
               <a:rPr lang="en-US" sz="2000" dirty="0">
@@ -10565,7 +10586,7 @@
                   <a:schemeClr val="bg1"/>
                 </a:solidFill>
               </a:rPr>
-              <a:t>Cannot manage client from the </a:t>
+              <a:t>You have to store the token </a:t>
             </a:r>
             <a:r>
               <a:rPr lang="en-US" sz="2400" dirty="0" smtClean="0">
@@ -10573,9 +10594,9 @@
                   <a:schemeClr val="bg1"/>
                 </a:solidFill>
               </a:rPr>
-              <a:t>server.</a:t>
-            </a:r>
-            <a:endParaRPr lang="en-US" sz="2400" dirty="0">
+              <a:t>somewhere.</a:t>
+            </a:r>
+            <a:endParaRPr lang="en-US" sz="2400" dirty="0" smtClean="0">
               <a:solidFill>
                 <a:schemeClr val="bg1"/>
               </a:solidFill>
@@ -10587,20 +10608,12 @@
               <a:buChar char="-"/>
             </a:pPr>
             <a:r>
-              <a:rPr lang="en-US" sz="2400" dirty="0">
+              <a:rPr lang="en-US" sz="2400" dirty="0" smtClean="0">
                 <a:solidFill>
                   <a:schemeClr val="bg1"/>
                 </a:solidFill>
               </a:rPr>
-              <a:t> Identifying each client per user is not possible</a:t>
-            </a:r>
-            <a:r>
-              <a:rPr lang="en-US" sz="2400" dirty="0" smtClean="0">
-                <a:solidFill>
-                  <a:schemeClr val="bg1"/>
-                </a:solidFill>
-              </a:rPr>
-              <a:t>.</a:t>
+              <a:t>Cannot manage client from the server.</a:t>
             </a:r>
           </a:p>
           <a:p>
@@ -10614,7 +10627,15 @@
                   <a:schemeClr val="bg1"/>
                 </a:solidFill>
               </a:rPr>
-              <a:t>Have risk if private key is leaked.</a:t>
+              <a:t>Have </a:t>
+            </a:r>
+            <a:r>
+              <a:rPr lang="en-US" sz="2400" dirty="0" smtClean="0">
+                <a:solidFill>
+                  <a:schemeClr val="bg1"/>
+                </a:solidFill>
+              </a:rPr>
+              <a:t>risk if private key is leaked.</a:t>
             </a:r>
             <a:endParaRPr lang="en-US" sz="2400" dirty="0">
               <a:solidFill>
@@ -10876,17 +10897,12 @@
                 </a:effectLst>
               </a:rPr>
             </a:br>
-            <a:endParaRPr lang="en-US" sz="8000" b="1" dirty="0">
+            <a:endParaRPr lang="en-US" sz="9600" dirty="0">
               <a:solidFill>
-                <a:srgbClr val="FFFF00"/>
+                <a:schemeClr val="bg1"/>
               </a:solidFill>
-              <a:effectLst>
-                <a:outerShdw blurRad="50800" dist="38100" dir="2700000" algn="tl" rotWithShape="0">
-                  <a:prstClr val="black">
-                    <a:alpha val="40000"/>
-                  </a:prstClr>
-                </a:outerShdw>
-              </a:effectLst>
+              <a:ea typeface="+mn-ea"/>
+              <a:cs typeface="+mn-cs"/>
             </a:endParaRPr>
           </a:p>
         </p:txBody>
@@ -12197,11 +12213,7 @@
             </a:pPr>
             <a:r>
               <a:rPr lang="en-US" dirty="0" smtClean="0"/>
-              <a:t>Token-Based </a:t>
-            </a:r>
-            <a:r>
-              <a:rPr lang="en-US" dirty="0" smtClean="0"/>
-              <a:t>Authentication</a:t>
+              <a:t>Token-Based Authentication</a:t>
             </a:r>
           </a:p>
           <a:p>
@@ -12211,11 +12223,7 @@
             </a:pPr>
             <a:r>
               <a:rPr lang="en-US" dirty="0" smtClean="0"/>
-              <a:t> </a:t>
-            </a:r>
-            <a:r>
-              <a:rPr lang="en-US" dirty="0" smtClean="0"/>
-              <a:t>Angular Authentication and Authorization</a:t>
+              <a:t> Angular Authentication and Authorization</a:t>
             </a:r>
           </a:p>
           <a:p>
@@ -14556,11 +14564,7 @@
           <a:p>
             <a:r>
               <a:rPr lang="en-US" dirty="0" smtClean="0"/>
-              <a:t>MVC </a:t>
-            </a:r>
-            <a:r>
-              <a:rPr lang="en-US" dirty="0" smtClean="0"/>
-              <a:t>authentication</a:t>
+              <a:t>MVC authentication</a:t>
             </a:r>
           </a:p>
           <a:p>
@@ -14572,7 +14576,6 @@
               <a:rPr lang="en-US" dirty="0" smtClean="0"/>
               <a:t>Operations</a:t>
             </a:r>
-            <a:endParaRPr lang="en-US" dirty="0" smtClean="0"/>
           </a:p>
           <a:p>
             <a:r>
@@ -20340,13 +20343,32 @@
             </a:endParaRPr>
           </a:p>
           <a:p>
+            <a:pPr marL="0" indent="0">
+              <a:buNone/>
+            </a:pPr>
+            <a:r>
+              <a:rPr lang="en-US" sz="2400" dirty="0" smtClean="0">
+                <a:solidFill>
+                  <a:schemeClr val="bg1"/>
+                </a:solidFill>
+              </a:rPr>
+              <a:t>But Cookie-Based Authentication b</a:t>
+            </a:r>
+            <a:r>
+              <a:rPr lang="en-US" sz="2400" dirty="0" smtClean="0">
+                <a:solidFill>
+                  <a:schemeClr val="bg1"/>
+                </a:solidFill>
+              </a:rPr>
+              <a:t>ounds </a:t>
+            </a:r>
             <a:r>
               <a:rPr lang="en-US" sz="2400" dirty="0">
                 <a:solidFill>
                   <a:schemeClr val="bg1"/>
                 </a:solidFill>
               </a:rPr>
-              <a:t>=&gt; Cookie-Based Authentication don’t work well because they cant be use on many </a:t>
+              <a:t>to a single </a:t>
             </a:r>
             <a:r>
               <a:rPr lang="en-US" sz="2400" dirty="0" smtClean="0">
@@ -20354,15 +20376,8 @@
                   <a:schemeClr val="bg1"/>
                 </a:solidFill>
               </a:rPr>
-              <a:t>domains.</a:t>
-            </a:r>
-            <a:endParaRPr lang="en-US" sz="2400" dirty="0">
-              <a:solidFill>
-                <a:schemeClr val="bg1"/>
-              </a:solidFill>
-            </a:endParaRPr>
-          </a:p>
-          <a:p>
+              <a:t>domain.</a:t>
+            </a:r>
             <a:endParaRPr lang="en-US" sz="2400" dirty="0" smtClean="0">
               <a:solidFill>
                 <a:schemeClr val="bg1"/>
